--- a/documentation/presentation andy.pptx
+++ b/documentation/presentation andy.pptx
@@ -11,6 +11,9 @@
     <p:sldId id="259" r:id="rId5"/>
     <p:sldId id="260" r:id="rId6"/>
     <p:sldId id="261" r:id="rId7"/>
+    <p:sldId id="262" r:id="rId8"/>
+    <p:sldId id="263" r:id="rId9"/>
+    <p:sldId id="264" r:id="rId10"/>
   </p:sldIdLst>
   <p:sldSz cx="9144000" cy="6858000" type="screen4x3"/>
   <p:notesSz cx="6858000" cy="9144000"/>
@@ -293,7 +296,7 @@
           <a:p>
             <a:fld id="{E97BECC8-B7C2-413C-8783-2EB6F80809EE}" type="datetimeFigureOut">
               <a:rPr lang="de-AT" smtClean="0"/>
-              <a:t>18.05.2016</a:t>
+              <a:t>19.05.2016</a:t>
             </a:fld>
             <a:endParaRPr lang="de-AT"/>
           </a:p>
@@ -335,7 +338,7 @@
           <a:p>
             <a:fld id="{EF72B612-E6BA-483D-A33B-9A830E289C9E}" type="slidenum">
               <a:rPr lang="de-AT" smtClean="0"/>
-              <a:t>‹Nr.›</a:t>
+              <a:t>‹#›</a:t>
             </a:fld>
             <a:endParaRPr lang="de-AT"/>
           </a:p>
@@ -463,7 +466,7 @@
           <a:p>
             <a:fld id="{E97BECC8-B7C2-413C-8783-2EB6F80809EE}" type="datetimeFigureOut">
               <a:rPr lang="de-AT" smtClean="0"/>
-              <a:t>18.05.2016</a:t>
+              <a:t>19.05.2016</a:t>
             </a:fld>
             <a:endParaRPr lang="de-AT"/>
           </a:p>
@@ -505,7 +508,7 @@
           <a:p>
             <a:fld id="{EF72B612-E6BA-483D-A33B-9A830E289C9E}" type="slidenum">
               <a:rPr lang="de-AT" smtClean="0"/>
-              <a:t>‹Nr.›</a:t>
+              <a:t>‹#›</a:t>
             </a:fld>
             <a:endParaRPr lang="de-AT"/>
           </a:p>
@@ -643,7 +646,7 @@
           <a:p>
             <a:fld id="{E97BECC8-B7C2-413C-8783-2EB6F80809EE}" type="datetimeFigureOut">
               <a:rPr lang="de-AT" smtClean="0"/>
-              <a:t>18.05.2016</a:t>
+              <a:t>19.05.2016</a:t>
             </a:fld>
             <a:endParaRPr lang="de-AT"/>
           </a:p>
@@ -685,7 +688,7 @@
           <a:p>
             <a:fld id="{EF72B612-E6BA-483D-A33B-9A830E289C9E}" type="slidenum">
               <a:rPr lang="de-AT" smtClean="0"/>
-              <a:t>‹Nr.›</a:t>
+              <a:t>‹#›</a:t>
             </a:fld>
             <a:endParaRPr lang="de-AT"/>
           </a:p>
@@ -813,7 +816,7 @@
           <a:p>
             <a:fld id="{E97BECC8-B7C2-413C-8783-2EB6F80809EE}" type="datetimeFigureOut">
               <a:rPr lang="de-AT" smtClean="0"/>
-              <a:t>18.05.2016</a:t>
+              <a:t>19.05.2016</a:t>
             </a:fld>
             <a:endParaRPr lang="de-AT"/>
           </a:p>
@@ -855,7 +858,7 @@
           <a:p>
             <a:fld id="{EF72B612-E6BA-483D-A33B-9A830E289C9E}" type="slidenum">
               <a:rPr lang="de-AT" smtClean="0"/>
-              <a:t>‹Nr.›</a:t>
+              <a:t>‹#›</a:t>
             </a:fld>
             <a:endParaRPr lang="de-AT"/>
           </a:p>
@@ -1059,7 +1062,7 @@
           <a:p>
             <a:fld id="{E97BECC8-B7C2-413C-8783-2EB6F80809EE}" type="datetimeFigureOut">
               <a:rPr lang="de-AT" smtClean="0"/>
-              <a:t>18.05.2016</a:t>
+              <a:t>19.05.2016</a:t>
             </a:fld>
             <a:endParaRPr lang="de-AT"/>
           </a:p>
@@ -1101,7 +1104,7 @@
           <a:p>
             <a:fld id="{EF72B612-E6BA-483D-A33B-9A830E289C9E}" type="slidenum">
               <a:rPr lang="de-AT" smtClean="0"/>
-              <a:t>‹Nr.›</a:t>
+              <a:t>‹#›</a:t>
             </a:fld>
             <a:endParaRPr lang="de-AT"/>
           </a:p>
@@ -1347,7 +1350,7 @@
           <a:p>
             <a:fld id="{E97BECC8-B7C2-413C-8783-2EB6F80809EE}" type="datetimeFigureOut">
               <a:rPr lang="de-AT" smtClean="0"/>
-              <a:t>18.05.2016</a:t>
+              <a:t>19.05.2016</a:t>
             </a:fld>
             <a:endParaRPr lang="de-AT"/>
           </a:p>
@@ -1389,7 +1392,7 @@
           <a:p>
             <a:fld id="{EF72B612-E6BA-483D-A33B-9A830E289C9E}" type="slidenum">
               <a:rPr lang="de-AT" smtClean="0"/>
-              <a:t>‹Nr.›</a:t>
+              <a:t>‹#›</a:t>
             </a:fld>
             <a:endParaRPr lang="de-AT"/>
           </a:p>
@@ -1769,7 +1772,7 @@
           <a:p>
             <a:fld id="{E97BECC8-B7C2-413C-8783-2EB6F80809EE}" type="datetimeFigureOut">
               <a:rPr lang="de-AT" smtClean="0"/>
-              <a:t>18.05.2016</a:t>
+              <a:t>19.05.2016</a:t>
             </a:fld>
             <a:endParaRPr lang="de-AT"/>
           </a:p>
@@ -1811,7 +1814,7 @@
           <a:p>
             <a:fld id="{EF72B612-E6BA-483D-A33B-9A830E289C9E}" type="slidenum">
               <a:rPr lang="de-AT" smtClean="0"/>
-              <a:t>‹Nr.›</a:t>
+              <a:t>‹#›</a:t>
             </a:fld>
             <a:endParaRPr lang="de-AT"/>
           </a:p>
@@ -1887,7 +1890,7 @@
           <a:p>
             <a:fld id="{E97BECC8-B7C2-413C-8783-2EB6F80809EE}" type="datetimeFigureOut">
               <a:rPr lang="de-AT" smtClean="0"/>
-              <a:t>18.05.2016</a:t>
+              <a:t>19.05.2016</a:t>
             </a:fld>
             <a:endParaRPr lang="de-AT"/>
           </a:p>
@@ -1929,7 +1932,7 @@
           <a:p>
             <a:fld id="{EF72B612-E6BA-483D-A33B-9A830E289C9E}" type="slidenum">
               <a:rPr lang="de-AT" smtClean="0"/>
-              <a:t>‹Nr.›</a:t>
+              <a:t>‹#›</a:t>
             </a:fld>
             <a:endParaRPr lang="de-AT"/>
           </a:p>
@@ -1982,7 +1985,7 @@
           <a:p>
             <a:fld id="{E97BECC8-B7C2-413C-8783-2EB6F80809EE}" type="datetimeFigureOut">
               <a:rPr lang="de-AT" smtClean="0"/>
-              <a:t>18.05.2016</a:t>
+              <a:t>19.05.2016</a:t>
             </a:fld>
             <a:endParaRPr lang="de-AT"/>
           </a:p>
@@ -2024,7 +2027,7 @@
           <a:p>
             <a:fld id="{EF72B612-E6BA-483D-A33B-9A830E289C9E}" type="slidenum">
               <a:rPr lang="de-AT" smtClean="0"/>
-              <a:t>‹Nr.›</a:t>
+              <a:t>‹#›</a:t>
             </a:fld>
             <a:endParaRPr lang="de-AT"/>
           </a:p>
@@ -2259,7 +2262,7 @@
           <a:p>
             <a:fld id="{E97BECC8-B7C2-413C-8783-2EB6F80809EE}" type="datetimeFigureOut">
               <a:rPr lang="de-AT" smtClean="0"/>
-              <a:t>18.05.2016</a:t>
+              <a:t>19.05.2016</a:t>
             </a:fld>
             <a:endParaRPr lang="de-AT"/>
           </a:p>
@@ -2301,7 +2304,7 @@
           <a:p>
             <a:fld id="{EF72B612-E6BA-483D-A33B-9A830E289C9E}" type="slidenum">
               <a:rPr lang="de-AT" smtClean="0"/>
-              <a:t>‹Nr.›</a:t>
+              <a:t>‹#›</a:t>
             </a:fld>
             <a:endParaRPr lang="de-AT"/>
           </a:p>
@@ -2512,7 +2515,7 @@
           <a:p>
             <a:fld id="{E97BECC8-B7C2-413C-8783-2EB6F80809EE}" type="datetimeFigureOut">
               <a:rPr lang="de-AT" smtClean="0"/>
-              <a:t>18.05.2016</a:t>
+              <a:t>19.05.2016</a:t>
             </a:fld>
             <a:endParaRPr lang="de-AT"/>
           </a:p>
@@ -2554,7 +2557,7 @@
           <a:p>
             <a:fld id="{EF72B612-E6BA-483D-A33B-9A830E289C9E}" type="slidenum">
               <a:rPr lang="de-AT" smtClean="0"/>
-              <a:t>‹Nr.›</a:t>
+              <a:t>‹#›</a:t>
             </a:fld>
             <a:endParaRPr lang="de-AT"/>
           </a:p>
@@ -2725,7 +2728,7 @@
           <a:p>
             <a:fld id="{E97BECC8-B7C2-413C-8783-2EB6F80809EE}" type="datetimeFigureOut">
               <a:rPr lang="de-AT" smtClean="0"/>
-              <a:t>18.05.2016</a:t>
+              <a:t>19.05.2016</a:t>
             </a:fld>
             <a:endParaRPr lang="de-AT"/>
           </a:p>
@@ -2803,7 +2806,7 @@
           <a:p>
             <a:fld id="{EF72B612-E6BA-483D-A33B-9A830E289C9E}" type="slidenum">
               <a:rPr lang="de-AT" smtClean="0"/>
-              <a:t>‹Nr.›</a:t>
+              <a:t>‹#›</a:t>
             </a:fld>
             <a:endParaRPr lang="de-AT"/>
           </a:p>
@@ -3776,19 +3779,15 @@
             </a:r>
             <a:r>
               <a:rPr lang="de-AT" dirty="0" smtClean="0"/>
-              <a:t> „</a:t>
+              <a:t> </a:t>
+            </a:r>
+            <a:r>
+              <a:rPr lang="de-AT" dirty="0" smtClean="0"/>
+              <a:t>„</a:t>
             </a:r>
             <a:r>
               <a:rPr lang="de-AT" dirty="0" err="1" smtClean="0"/>
-              <a:t>cleaned</a:t>
-            </a:r>
-            <a:r>
-              <a:rPr lang="de-AT" dirty="0" smtClean="0"/>
-              <a:t> </a:t>
-            </a:r>
-            <a:r>
-              <a:rPr lang="de-AT" dirty="0" err="1" smtClean="0"/>
-              <a:t>up</a:t>
+              <a:t>organized</a:t>
             </a:r>
             <a:r>
               <a:rPr lang="de-AT" dirty="0" smtClean="0"/>
@@ -4364,11 +4363,20 @@
               <a:t>needed</a:t>
             </a:r>
             <a:r>
-              <a:rPr lang="de-AT" dirty="0">
-                <a:sym typeface="Wingdings" pitchFamily="2" charset="2"/>
-              </a:rPr>
-              <a:t>)</a:t>
-            </a:r>
+              <a:rPr lang="de-AT" dirty="0" smtClean="0">
+                <a:sym typeface="Wingdings" pitchFamily="2" charset="2"/>
+              </a:rPr>
+              <a:t>) </a:t>
+            </a:r>
+            <a:r>
+              <a:rPr lang="de-AT" dirty="0"/>
+              <a:t>Cloud </a:t>
+            </a:r>
+            <a:r>
+              <a:rPr lang="de-AT" dirty="0" err="1"/>
+              <a:t>amazon</a:t>
+            </a:r>
+            <a:endParaRPr lang="de-AT" dirty="0"/>
           </a:p>
           <a:p>
             <a:r>
@@ -4377,7 +4385,15 @@
                   <a:srgbClr val="FF0000"/>
                 </a:solidFill>
               </a:rPr>
-              <a:t>Cluster (</a:t>
+              <a:t>Cluster </a:t>
+            </a:r>
+            <a:r>
+              <a:rPr lang="de-AT" dirty="0" smtClean="0">
+                <a:solidFill>
+                  <a:srgbClr val="FF0000"/>
+                </a:solidFill>
+              </a:rPr>
+              <a:t>(</a:t>
             </a:r>
             <a:r>
               <a:rPr lang="de-AT" dirty="0" err="1" smtClean="0">
@@ -4652,6 +4668,13 @@
   <p:clrMapOvr>
     <a:masterClrMapping/>
   </p:clrMapOvr>
+  <p:timing>
+    <p:tnLst>
+      <p:par>
+        <p:cTn id="1" dur="indefinite" restart="never" nodeType="tmRoot"/>
+      </p:par>
+    </p:tnLst>
+  </p:timing>
 </p:sld>
 </file>
 
@@ -4711,7 +4734,9 @@
         </p:nvSpPr>
         <p:spPr/>
         <p:txBody>
-          <a:bodyPr/>
+          <a:bodyPr>
+            <a:normAutofit lnSpcReduction="10000"/>
+          </a:bodyPr>
           <a:lstStyle/>
           <a:p>
             <a:r>
@@ -4784,6 +4809,9 @@
               <a:rPr lang="de-AT" dirty="0" smtClean="0"/>
               <a:t>: GIT + </a:t>
             </a:r>
+            <a:endParaRPr lang="de-AT" dirty="0" smtClean="0"/>
+          </a:p>
+          <a:p>
             <a:r>
               <a:rPr lang="de-AT" dirty="0" err="1" smtClean="0"/>
               <a:t>Hangouts</a:t>
@@ -4803,6 +4831,23 @@
               <a:rPr lang="de-AT" dirty="0" smtClean="0"/>
               <a:t>:</a:t>
             </a:r>
+          </a:p>
+          <a:p>
+            <a:endParaRPr lang="de-AT" dirty="0"/>
+          </a:p>
+          <a:p>
+            <a:endParaRPr lang="de-AT" dirty="0" smtClean="0"/>
+          </a:p>
+          <a:p>
+            <a:r>
+              <a:rPr lang="de-AT" dirty="0" smtClean="0"/>
+              <a:t>Linux, </a:t>
+            </a:r>
+            <a:r>
+              <a:rPr lang="de-AT" dirty="0" err="1" smtClean="0"/>
+              <a:t>platine</a:t>
+            </a:r>
+            <a:endParaRPr lang="de-AT" dirty="0" smtClean="0"/>
           </a:p>
         </p:txBody>
       </p:sp>
@@ -4829,8 +4874,8 @@
         </p:blipFill>
         <p:spPr bwMode="auto">
           <a:xfrm>
-            <a:off x="2843808" y="3333520"/>
-            <a:ext cx="4104456" cy="2375006"/>
+            <a:off x="3059832" y="3084340"/>
+            <a:ext cx="4824536" cy="2791674"/>
           </a:xfrm>
           <a:prstGeom prst="rect">
             <a:avLst/>
@@ -4880,6 +4925,13 @@
   <p:clrMapOvr>
     <a:masterClrMapping/>
   </p:clrMapOvr>
+  <p:timing>
+    <p:tnLst>
+      <p:par>
+        <p:cTn id="1" dur="indefinite" restart="never" nodeType="tmRoot"/>
+      </p:par>
+    </p:tnLst>
+  </p:timing>
 </p:sld>
 </file>
 
@@ -5020,6 +5072,322 @@
   <p:clrMapOvr>
     <a:masterClrMapping/>
   </p:clrMapOvr>
+  <p:timing>
+    <p:tnLst>
+      <p:par>
+        <p:cTn id="1" dur="indefinite" restart="never" nodeType="tmRoot"/>
+      </p:par>
+    </p:tnLst>
+  </p:timing>
+</p:sld>
+</file>
+
+<file path=ppt/slides/slide7.xml><?xml version="1.0" encoding="utf-8"?>
+<p:sld xmlns:a="http://schemas.openxmlformats.org/drawingml/2006/main" xmlns:r="http://schemas.openxmlformats.org/officeDocument/2006/relationships" xmlns:p="http://schemas.openxmlformats.org/presentationml/2006/main">
+  <p:cSld>
+    <p:spTree>
+      <p:nvGrpSpPr>
+        <p:cNvPr id="1" name=""/>
+        <p:cNvGrpSpPr/>
+        <p:nvPr/>
+      </p:nvGrpSpPr>
+      <p:grpSpPr>
+        <a:xfrm>
+          <a:off x="0" y="0"/>
+          <a:ext cx="0" cy="0"/>
+          <a:chOff x="0" y="0"/>
+          <a:chExt cx="0" cy="0"/>
+        </a:xfrm>
+      </p:grpSpPr>
+      <p:sp>
+        <p:nvSpPr>
+          <p:cNvPr id="2" name="Title 1"/>
+          <p:cNvSpPr>
+            <a:spLocks noGrp="1"/>
+          </p:cNvSpPr>
+          <p:nvPr>
+            <p:ph type="title"/>
+          </p:nvPr>
+        </p:nvSpPr>
+        <p:spPr/>
+        <p:txBody>
+          <a:bodyPr/>
+          <a:lstStyle/>
+          <a:p>
+            <a:r>
+              <a:rPr lang="de-AT" dirty="0" smtClean="0"/>
+              <a:t>Lean Startup</a:t>
+            </a:r>
+            <a:endParaRPr lang="en-US" dirty="0"/>
+          </a:p>
+        </p:txBody>
+      </p:sp>
+      <p:sp>
+        <p:nvSpPr>
+          <p:cNvPr id="3" name="Content Placeholder 2"/>
+          <p:cNvSpPr>
+            <a:spLocks noGrp="1"/>
+          </p:cNvSpPr>
+          <p:nvPr>
+            <p:ph idx="1"/>
+          </p:nvPr>
+        </p:nvSpPr>
+        <p:spPr/>
+        <p:txBody>
+          <a:bodyPr/>
+          <a:lstStyle/>
+          <a:p>
+            <a:endParaRPr lang="en-US"/>
+          </a:p>
+        </p:txBody>
+      </p:sp>
+    </p:spTree>
+    <p:extLst>
+      <p:ext uri="{BB962C8B-B14F-4D97-AF65-F5344CB8AC3E}">
+        <p14:creationId xmlns:p14="http://schemas.microsoft.com/office/powerpoint/2010/main" val="2394672511"/>
+      </p:ext>
+    </p:extLst>
+  </p:cSld>
+  <p:clrMapOvr>
+    <a:masterClrMapping/>
+  </p:clrMapOvr>
+  <p:timing>
+    <p:tnLst>
+      <p:par>
+        <p:cTn id="1" dur="indefinite" restart="never" nodeType="tmRoot"/>
+      </p:par>
+    </p:tnLst>
+  </p:timing>
+</p:sld>
+</file>
+
+<file path=ppt/slides/slide8.xml><?xml version="1.0" encoding="utf-8"?>
+<p:sld xmlns:a="http://schemas.openxmlformats.org/drawingml/2006/main" xmlns:r="http://schemas.openxmlformats.org/officeDocument/2006/relationships" xmlns:p="http://schemas.openxmlformats.org/presentationml/2006/main">
+  <p:cSld>
+    <p:spTree>
+      <p:nvGrpSpPr>
+        <p:cNvPr id="1" name=""/>
+        <p:cNvGrpSpPr/>
+        <p:nvPr/>
+      </p:nvGrpSpPr>
+      <p:grpSpPr>
+        <a:xfrm>
+          <a:off x="0" y="0"/>
+          <a:ext cx="0" cy="0"/>
+          <a:chOff x="0" y="0"/>
+          <a:chExt cx="0" cy="0"/>
+        </a:xfrm>
+      </p:grpSpPr>
+      <p:sp>
+        <p:nvSpPr>
+          <p:cNvPr id="2" name="Title 1"/>
+          <p:cNvSpPr>
+            <a:spLocks noGrp="1"/>
+          </p:cNvSpPr>
+          <p:nvPr>
+            <p:ph type="title"/>
+          </p:nvPr>
+        </p:nvSpPr>
+        <p:spPr/>
+        <p:txBody>
+          <a:bodyPr/>
+          <a:lstStyle/>
+          <a:p>
+            <a:r>
+              <a:rPr lang="de-AT" dirty="0" err="1" smtClean="0"/>
+              <a:t>Economical</a:t>
+            </a:r>
+            <a:r>
+              <a:rPr lang="de-AT" dirty="0" smtClean="0"/>
+              <a:t> </a:t>
+            </a:r>
+            <a:r>
+              <a:rPr lang="de-AT" dirty="0" err="1" smtClean="0"/>
+              <a:t>Aspects</a:t>
+            </a:r>
+            <a:endParaRPr lang="en-US" dirty="0"/>
+          </a:p>
+        </p:txBody>
+      </p:sp>
+      <p:sp>
+        <p:nvSpPr>
+          <p:cNvPr id="3" name="Content Placeholder 2"/>
+          <p:cNvSpPr>
+            <a:spLocks noGrp="1"/>
+          </p:cNvSpPr>
+          <p:nvPr>
+            <p:ph idx="1"/>
+          </p:nvPr>
+        </p:nvSpPr>
+        <p:spPr/>
+        <p:txBody>
+          <a:bodyPr/>
+          <a:lstStyle/>
+          <a:p>
+            <a:r>
+              <a:rPr lang="de-AT" dirty="0" smtClean="0"/>
+              <a:t>Platine – </a:t>
+            </a:r>
+            <a:r>
+              <a:rPr lang="de-AT" dirty="0" err="1" smtClean="0"/>
+              <a:t>mass</a:t>
+            </a:r>
+            <a:r>
+              <a:rPr lang="de-AT" dirty="0" smtClean="0"/>
+              <a:t> </a:t>
+            </a:r>
+            <a:r>
+              <a:rPr lang="de-AT" dirty="0" err="1" smtClean="0"/>
+              <a:t>production</a:t>
+            </a:r>
+            <a:r>
+              <a:rPr lang="de-AT" dirty="0" smtClean="0"/>
+              <a:t>?</a:t>
+            </a:r>
+          </a:p>
+          <a:p>
+            <a:pPr lvl="1"/>
+            <a:r>
+              <a:rPr lang="de-AT" dirty="0" smtClean="0"/>
+              <a:t>Model?</a:t>
+            </a:r>
+            <a:endParaRPr lang="en-US" dirty="0"/>
+          </a:p>
+        </p:txBody>
+      </p:sp>
+    </p:spTree>
+    <p:extLst>
+      <p:ext uri="{BB962C8B-B14F-4D97-AF65-F5344CB8AC3E}">
+        <p14:creationId xmlns:p14="http://schemas.microsoft.com/office/powerpoint/2010/main" val="1417335519"/>
+      </p:ext>
+    </p:extLst>
+  </p:cSld>
+  <p:clrMapOvr>
+    <a:masterClrMapping/>
+  </p:clrMapOvr>
+  <p:timing>
+    <p:tnLst>
+      <p:par>
+        <p:cTn id="1" dur="indefinite" restart="never" nodeType="tmRoot"/>
+      </p:par>
+    </p:tnLst>
+  </p:timing>
+</p:sld>
+</file>
+
+<file path=ppt/slides/slide9.xml><?xml version="1.0" encoding="utf-8"?>
+<p:sld xmlns:a="http://schemas.openxmlformats.org/drawingml/2006/main" xmlns:r="http://schemas.openxmlformats.org/officeDocument/2006/relationships" xmlns:p="http://schemas.openxmlformats.org/presentationml/2006/main">
+  <p:cSld>
+    <p:spTree>
+      <p:nvGrpSpPr>
+        <p:cNvPr id="1" name=""/>
+        <p:cNvGrpSpPr/>
+        <p:nvPr/>
+      </p:nvGrpSpPr>
+      <p:grpSpPr>
+        <a:xfrm>
+          <a:off x="0" y="0"/>
+          <a:ext cx="0" cy="0"/>
+          <a:chOff x="0" y="0"/>
+          <a:chExt cx="0" cy="0"/>
+        </a:xfrm>
+      </p:grpSpPr>
+      <p:sp>
+        <p:nvSpPr>
+          <p:cNvPr id="2" name="Title 1"/>
+          <p:cNvSpPr>
+            <a:spLocks noGrp="1"/>
+          </p:cNvSpPr>
+          <p:nvPr>
+            <p:ph type="title"/>
+          </p:nvPr>
+        </p:nvSpPr>
+        <p:spPr/>
+        <p:txBody>
+          <a:bodyPr/>
+          <a:lstStyle/>
+          <a:p>
+            <a:r>
+              <a:rPr lang="de-AT" dirty="0" smtClean="0"/>
+              <a:t>Andy?</a:t>
+            </a:r>
+            <a:endParaRPr lang="en-US" dirty="0"/>
+          </a:p>
+        </p:txBody>
+      </p:sp>
+      <p:sp>
+        <p:nvSpPr>
+          <p:cNvPr id="3" name="Content Placeholder 2"/>
+          <p:cNvSpPr>
+            <a:spLocks noGrp="1"/>
+          </p:cNvSpPr>
+          <p:nvPr>
+            <p:ph idx="1"/>
+          </p:nvPr>
+        </p:nvSpPr>
+        <p:spPr/>
+        <p:txBody>
+          <a:bodyPr/>
+          <a:lstStyle/>
+          <a:p>
+            <a:r>
+              <a:rPr lang="de-AT" dirty="0" smtClean="0"/>
+              <a:t>Optimieren nicht nur nach </a:t>
+            </a:r>
+            <a:r>
+              <a:rPr lang="de-AT" dirty="0" err="1" smtClean="0"/>
+              <a:t>zugriffshäufigkeit</a:t>
+            </a:r>
+            <a:r>
+              <a:rPr lang="de-AT" dirty="0" smtClean="0"/>
+              <a:t>,</a:t>
+            </a:r>
+          </a:p>
+          <a:p>
+            <a:pPr lvl="1"/>
+            <a:r>
+              <a:rPr lang="de-AT" dirty="0" err="1" smtClean="0"/>
+              <a:t>Zb</a:t>
+            </a:r>
+            <a:r>
+              <a:rPr lang="de-AT" dirty="0"/>
+              <a:t> </a:t>
+            </a:r>
+            <a:r>
+              <a:rPr lang="de-AT" dirty="0" smtClean="0"/>
+              <a:t>nach Dateigröße?</a:t>
+            </a:r>
+          </a:p>
+          <a:p>
+            <a:pPr lvl="1"/>
+            <a:endParaRPr lang="de-AT" dirty="0"/>
+          </a:p>
+          <a:p>
+            <a:r>
+              <a:rPr lang="de-AT" dirty="0" smtClean="0"/>
+              <a:t>Funktioniert alles auch auf MAC, sogar Smartphones! (Samba Protokoll)</a:t>
+            </a:r>
+            <a:endParaRPr lang="en-US" dirty="0"/>
+          </a:p>
+        </p:txBody>
+      </p:sp>
+    </p:spTree>
+    <p:extLst>
+      <p:ext uri="{BB962C8B-B14F-4D97-AF65-F5344CB8AC3E}">
+        <p14:creationId xmlns:p14="http://schemas.microsoft.com/office/powerpoint/2010/main" val="869605007"/>
+      </p:ext>
+    </p:extLst>
+  </p:cSld>
+  <p:clrMapOvr>
+    <a:masterClrMapping/>
+  </p:clrMapOvr>
+  <p:timing>
+    <p:tnLst>
+      <p:par>
+        <p:cTn id="1" dur="indefinite" restart="never" nodeType="tmRoot"/>
+      </p:par>
+    </p:tnLst>
+  </p:timing>
 </p:sld>
 </file>
 
